--- a/reseach_question_presentation.pptx
+++ b/reseach_question_presentation.pptx
@@ -253,7 +253,7 @@
             <a:fld id="{93FAAC3A-BD1F-4A00-9099-74B95789FE00}" type="datetimeFigureOut">
               <a:rPr lang="en-GB" smtClean="0"/>
               <a:pPr/>
-              <a:t>12/11/2024</a:t>
+              <a:t>13/11/2024</a:t>
             </a:fld>
             <a:endParaRPr lang="en-GB"/>
           </a:p>
@@ -432,7 +432,7 @@
             <a:fld id="{8E359C8A-39F6-4045-9163-4042C4C26B15}" type="datetimeFigureOut">
               <a:rPr lang="en-GB" smtClean="0"/>
               <a:pPr/>
-              <a:t>12/11/2024</a:t>
+              <a:t>13/11/2024</a:t>
             </a:fld>
             <a:endParaRPr lang="en-GB"/>
           </a:p>
@@ -4699,8 +4699,8 @@
         </p:nvSpPr>
         <p:spPr>
           <a:xfrm>
-            <a:off x="503853" y="2425961"/>
-            <a:ext cx="11840548" cy="2118048"/>
+            <a:off x="503852" y="2429391"/>
+            <a:ext cx="10852405" cy="1909044"/>
           </a:xfrm>
         </p:spPr>
         <p:txBody>
@@ -4710,13 +4710,17 @@
           <a:lstStyle/>
           <a:p>
             <a:pPr>
-              <a:spcAft>
-                <a:spcPts val="600"/>
-              </a:spcAft>
+              <a:lnSpc>
+                <a:spcPts val="5700"/>
+              </a:lnSpc>
             </a:pPr>
             <a:r>
               <a:rPr lang="en-US" sz="4000" dirty="0" smtClean="0"/>
-              <a:t>Is there a difference in the mean rating of apps between free and paid apps</a:t>
+              <a:t>Is </a:t>
+            </a:r>
+            <a:r>
+              <a:rPr lang="en-US" sz="4000" dirty="0" smtClean="0"/>
+              <a:t>there a difference in the mean rating of apps between free and paid apps</a:t>
             </a:r>
             <a:r>
               <a:rPr lang="en-US" dirty="0"/>
@@ -4724,8 +4728,11 @@
             </a:r>
             <a:r>
               <a:rPr lang="en-US" dirty="0" smtClean="0"/>
-              <a:t>-</a:t>
-            </a:r>
+              <a:t/>
+            </a:r>
+            <a:br>
+              <a:rPr lang="en-US" dirty="0" smtClean="0"/>
+            </a:br>
             <a:r>
               <a:rPr lang="en-US" dirty="0"/>
               <a:t/>
@@ -4746,19 +4753,12 @@
             </a:r>
             <a:r>
               <a:rPr lang="en-US" sz="2200" dirty="0" smtClean="0"/>
-              <a:t>Date </a:t>
-            </a:r>
-            <a:r>
-              <a:rPr lang="en-US" sz="2200" smtClean="0"/>
-              <a:t>:  13/11/2024</a:t>
-            </a:r>
-            <a:r>
-              <a:rPr lang="en-US" sz="8000" dirty="0"/>
-              <a:t/>
-            </a:r>
-            <a:br>
-              <a:rPr lang="en-US" sz="8000" dirty="0"/>
-            </a:br>
+              <a:t>Date :  </a:t>
+            </a:r>
+            <a:r>
+              <a:rPr lang="en-US" sz="2200" dirty="0" smtClean="0"/>
+              <a:t>13/11/202</a:t>
+            </a:r>
             <a:endParaRPr lang="en-US" dirty="0"/>
           </a:p>
         </p:txBody>
@@ -4795,11 +4795,7 @@
             </a:r>
             <a:r>
               <a:rPr lang="en-US" sz="2000" dirty="0" smtClean="0"/>
-              <a:t> A143A                                         </a:t>
-            </a:r>
-            <a:r>
-              <a:rPr lang="en-US" sz="2000" dirty="0" smtClean="0"/>
-              <a:t>             Name </a:t>
+              <a:t> A143A                                                      Name </a:t>
             </a:r>
             <a:r>
               <a:rPr lang="en-US" sz="2000" dirty="0"/>
@@ -4846,11 +4842,7 @@
             </a:r>
             <a:r>
               <a:rPr lang="en-GB" dirty="0" smtClean="0"/>
-              <a:t> A143A             </a:t>
-            </a:r>
-            <a:r>
-              <a:rPr lang="en-GB" dirty="0" smtClean="0"/>
-              <a:t>Names </a:t>
+              <a:t> A143A             Names </a:t>
             </a:r>
             <a:r>
               <a:rPr lang="en-GB" dirty="0"/>
@@ -4882,11 +4874,7 @@
             </a:r>
             <a:r>
               <a:rPr lang="en-GB" dirty="0" smtClean="0"/>
-              <a:t>, </a:t>
-            </a:r>
-            <a:r>
-              <a:rPr lang="en-GB" dirty="0" smtClean="0"/>
-              <a:t>Noel John</a:t>
+              <a:t>, Noel John</a:t>
             </a:r>
             <a:r>
               <a:rPr lang="en-GB" dirty="0"/>
@@ -5059,10 +5047,9 @@
           <a:lstStyle/>
           <a:p>
             <a:r>
-              <a:rPr lang="en-GB"/>
+              <a:rPr lang="en-GB" dirty="0"/>
               <a:t>PRESENTATION TITLE (ADD VIA INSERT, HEADER &amp; FOOTER)</a:t>
             </a:r>
-            <a:endParaRPr lang="en-GB" dirty="0"/>
           </a:p>
         </p:txBody>
       </p:sp>
@@ -5174,7 +5161,7 @@
         </p:nvSpPr>
         <p:spPr>
           <a:xfrm>
-            <a:off x="965288" y="1285092"/>
+            <a:off x="965288" y="1397064"/>
             <a:ext cx="10110240" cy="588024"/>
           </a:xfrm>
         </p:spPr>
@@ -5238,8 +5225,8 @@
         </p:nvSpPr>
         <p:spPr>
           <a:xfrm>
-            <a:off x="965288" y="791022"/>
-            <a:ext cx="9129687" cy="230832"/>
+            <a:off x="965288" y="520443"/>
+            <a:ext cx="9989224" cy="244676"/>
           </a:xfrm>
         </p:spPr>
         <p:txBody>
@@ -5248,8 +5235,142 @@
           <a:p>
             <a:r>
               <a:rPr lang="en-GB" dirty="0"/>
-              <a:t>7COM1079-2024  Student Group No:                    Names of Student Group Attendees: </a:t>
-            </a:r>
+              <a:t>7COM1079-2024  Student Group No: </a:t>
+            </a:r>
+            <a:r>
+              <a:rPr lang="en-GB" dirty="0"/>
+              <a:t>A143A                   </a:t>
+            </a:r>
+            <a:r>
+              <a:rPr lang="en-GB" dirty="0"/>
+              <a:t>Names of Student Group </a:t>
+            </a:r>
+            <a:r>
+              <a:rPr lang="en-GB" dirty="0"/>
+              <a:t>Attendees: </a:t>
+            </a:r>
+            <a:r>
+              <a:rPr lang="en-GB" dirty="0" err="1"/>
+              <a:t>Gopika</a:t>
+            </a:r>
+            <a:r>
+              <a:rPr lang="en-GB" dirty="0"/>
+              <a:t> </a:t>
+            </a:r>
+            <a:r>
+              <a:rPr lang="en-GB" dirty="0" err="1"/>
+              <a:t>Areeplackal</a:t>
+            </a:r>
+            <a:r>
+              <a:rPr lang="en-GB" dirty="0"/>
+              <a:t> </a:t>
+            </a:r>
+            <a:r>
+              <a:rPr lang="en-GB" dirty="0" err="1" smtClean="0"/>
+              <a:t>Biju</a:t>
+            </a:r>
+            <a:r>
+              <a:rPr lang="en-GB" dirty="0" smtClean="0"/>
+              <a:t>, </a:t>
+            </a:r>
+          </a:p>
+          <a:p>
+            <a:r>
+              <a:rPr lang="en-GB" dirty="0" smtClean="0"/>
+              <a:t>					    			           Noel John Paul, </a:t>
+            </a:r>
+          </a:p>
+          <a:p>
+            <a:r>
+              <a:rPr lang="en-GB" dirty="0"/>
+              <a:t>	</a:t>
+            </a:r>
+            <a:r>
+              <a:rPr lang="en-GB" dirty="0" smtClean="0"/>
+              <a:t>							           </a:t>
+            </a:r>
+            <a:r>
+              <a:rPr lang="en-GB" dirty="0" err="1" smtClean="0"/>
+              <a:t>Amal</a:t>
+            </a:r>
+            <a:r>
+              <a:rPr lang="en-GB" dirty="0" smtClean="0"/>
+              <a:t> </a:t>
+            </a:r>
+            <a:r>
+              <a:rPr lang="en-GB" dirty="0" err="1"/>
+              <a:t>Saj</a:t>
+            </a:r>
+            <a:r>
+              <a:rPr lang="en-GB" dirty="0"/>
+              <a:t> </a:t>
+            </a:r>
+            <a:r>
+              <a:rPr lang="en-GB" dirty="0" err="1" smtClean="0"/>
+              <a:t>Poothaalil</a:t>
+            </a:r>
+            <a:r>
+              <a:rPr lang="en-GB" dirty="0" smtClean="0"/>
+              <a:t>,</a:t>
+            </a:r>
+          </a:p>
+          <a:p>
+            <a:r>
+              <a:rPr lang="en-GB" dirty="0"/>
+              <a:t>	</a:t>
+            </a:r>
+            <a:r>
+              <a:rPr lang="en-GB" dirty="0" smtClean="0"/>
+              <a:t> 							           Sachin Cherian</a:t>
+            </a:r>
+          </a:p>
+          <a:p>
+            <a:r>
+              <a:rPr lang="en-GB" dirty="0"/>
+              <a:t>	</a:t>
+            </a:r>
+            <a:r>
+              <a:rPr lang="en-GB" dirty="0" smtClean="0"/>
+              <a:t>							           </a:t>
+            </a:r>
+            <a:r>
+              <a:rPr lang="en-GB" dirty="0" err="1" smtClean="0"/>
+              <a:t>Anila</a:t>
+            </a:r>
+            <a:r>
+              <a:rPr lang="en-GB" dirty="0" smtClean="0"/>
+              <a:t> </a:t>
+            </a:r>
+            <a:r>
+              <a:rPr lang="en-GB" dirty="0" err="1"/>
+              <a:t>Jalaja</a:t>
+            </a:r>
+            <a:r>
+              <a:rPr lang="en-GB" dirty="0"/>
+              <a:t> </a:t>
+            </a:r>
+            <a:endParaRPr lang="en-GB" dirty="0" smtClean="0"/>
+          </a:p>
+          <a:p>
+            <a:r>
+              <a:rPr lang="en-GB" dirty="0"/>
+              <a:t>	</a:t>
+            </a:r>
+            <a:r>
+              <a:rPr lang="en-GB" dirty="0" smtClean="0"/>
+              <a:t>							           </a:t>
+            </a:r>
+          </a:p>
+          <a:p>
+            <a:r>
+              <a:rPr lang="en-GB" dirty="0"/>
+              <a:t>	</a:t>
+            </a:r>
+            <a:r>
+              <a:rPr lang="en-GB" dirty="0" smtClean="0"/>
+              <a:t>							             </a:t>
+            </a:r>
+            <a:endParaRPr lang="en-GB" dirty="0"/>
           </a:p>
         </p:txBody>
       </p:sp>
@@ -5305,7 +5426,7 @@
         </p:nvSpPr>
         <p:spPr>
           <a:xfrm>
-            <a:off x="965288" y="1698305"/>
+            <a:off x="965288" y="2183505"/>
             <a:ext cx="10974945" cy="2699181"/>
           </a:xfrm>
         </p:spPr>
@@ -5555,8 +5676,8 @@
         </p:nvSpPr>
         <p:spPr>
           <a:xfrm>
-            <a:off x="965289" y="1147638"/>
-            <a:ext cx="9753625" cy="230832"/>
+            <a:off x="965289" y="1287599"/>
+            <a:ext cx="9753625" cy="494547"/>
           </a:xfrm>
         </p:spPr>
         <p:txBody>
@@ -5569,8 +5690,12 @@
               </a:spcAft>
             </a:pPr>
             <a:r>
+              <a:rPr lang="en-GB" dirty="0" smtClean="0"/>
+              <a:t>Our </a:t>
+            </a:r>
+            <a:r>
               <a:rPr lang="en-GB" dirty="0"/>
-              <a:t>Our Research Question </a:t>
+              <a:t>Research Question </a:t>
             </a:r>
             <a:r>
               <a:rPr lang="en-GB" dirty="0" smtClean="0"/>
@@ -5607,8 +5732,17 @@
           <a:p>
             <a:r>
               <a:rPr lang="en-GB" dirty="0"/>
-              <a:t>PRE 7COM1079-2024  Student Group No:  ?????</a:t>
-            </a:r>
+              <a:t>PRE 7COM1079-2024  Student Group No: </a:t>
+            </a:r>
+            <a:r>
+              <a:rPr lang="en-GB" dirty="0" smtClean="0"/>
+              <a:t> </a:t>
+            </a:r>
+            <a:r>
+              <a:rPr lang="en-GB" dirty="0" smtClean="0"/>
+              <a:t>A143A</a:t>
+            </a:r>
+            <a:endParaRPr lang="en-GB" dirty="0"/>
           </a:p>
         </p:txBody>
       </p:sp>
@@ -5664,8 +5798,8 @@
         </p:nvSpPr>
         <p:spPr>
           <a:xfrm>
-            <a:off x="965289" y="1893914"/>
-            <a:ext cx="10640594" cy="2678085"/>
+            <a:off x="961052" y="1959231"/>
+            <a:ext cx="10991461" cy="616021"/>
           </a:xfrm>
         </p:spPr>
         <p:txBody>
@@ -5680,19 +5814,19 @@
               </a:lnSpc>
             </a:pPr>
             <a:r>
-              <a:rPr lang="en-US" sz="2400" dirty="0" smtClean="0"/>
+              <a:rPr lang="en-US" sz="2600" dirty="0" smtClean="0"/>
               <a:t>Is </a:t>
             </a:r>
             <a:r>
-              <a:rPr lang="en-US" sz="2400" dirty="0"/>
+              <a:rPr lang="en-US" sz="2600" dirty="0"/>
               <a:t>there a difference in the mean rating of apps between free and paid apps</a:t>
             </a:r>
             <a:r>
-              <a:rPr lang="en-US" sz="2400" dirty="0" smtClean="0"/>
+              <a:rPr lang="en-US" sz="2600" dirty="0" smtClean="0"/>
               <a:t>?</a:t>
             </a:r>
             <a:r>
-              <a:rPr lang="en-GB" sz="2400" dirty="0" smtClean="0">
+              <a:rPr lang="en-GB" sz="2600" dirty="0" smtClean="0">
                 <a:effectLst/>
                 <a:latin typeface="Calibri" panose="020F0502020204030204" pitchFamily="34" charset="0"/>
                 <a:ea typeface="Calibri" panose="020F0502020204030204" pitchFamily="34" charset="0"/>
@@ -5701,7 +5835,7 @@
               <a:t/>
             </a:r>
             <a:br>
-              <a:rPr lang="en-GB" sz="2400" dirty="0" smtClean="0">
+              <a:rPr lang="en-GB" sz="2600" dirty="0" smtClean="0">
                 <a:effectLst/>
                 <a:latin typeface="Calibri" panose="020F0502020204030204" pitchFamily="34" charset="0"/>
                 <a:ea typeface="Calibri" panose="020F0502020204030204" pitchFamily="34" charset="0"/>
@@ -5709,7 +5843,7 @@
               </a:rPr>
             </a:br>
             <a:r>
-              <a:rPr lang="en-GB" sz="2400" dirty="0">
+              <a:rPr lang="en-GB" sz="2600" dirty="0">
                 <a:latin typeface="Calibri" panose="020F0502020204030204" pitchFamily="34" charset="0"/>
                 <a:ea typeface="Calibri" panose="020F0502020204030204" pitchFamily="34" charset="0"/>
                 <a:cs typeface="Times New Roman" panose="02020603050405020304" pitchFamily="18" charset="0"/>
@@ -5717,20 +5851,116 @@
               <a:t/>
             </a:r>
             <a:br>
-              <a:rPr lang="en-GB" sz="2400" dirty="0">
+              <a:rPr lang="en-GB" sz="2600" dirty="0">
                 <a:latin typeface="Calibri" panose="020F0502020204030204" pitchFamily="34" charset="0"/>
                 <a:ea typeface="Calibri" panose="020F0502020204030204" pitchFamily="34" charset="0"/>
                 <a:cs typeface="Times New Roman" panose="02020603050405020304" pitchFamily="18" charset="0"/>
               </a:rPr>
             </a:br>
-            <a:r>
-              <a:rPr lang="en-GB" sz="2400" b="0" dirty="0">
+            <a:endParaRPr lang="en-GB" sz="2600" dirty="0">
+              <a:solidFill>
+                <a:srgbClr val="FF0000"/>
+              </a:solidFill>
+            </a:endParaRPr>
+          </a:p>
+        </p:txBody>
+      </p:sp>
+      <p:sp>
+        <p:nvSpPr>
+          <p:cNvPr id="6" name="Title 4">
+            <a:extLst>
+              <a:ext uri="{FF2B5EF4-FFF2-40B4-BE49-F238E27FC236}">
+                <a16:creationId xmlns:a16="http://schemas.microsoft.com/office/drawing/2014/main" id="{3440DA25-F620-152B-DE9E-776F7B74DFF0}"/>
+              </a:ext>
+            </a:extLst>
+          </p:cNvPr>
+          <p:cNvSpPr txBox="1">
+            <a:spLocks/>
+          </p:cNvSpPr>
+          <p:nvPr/>
+        </p:nvSpPr>
+        <p:spPr>
+          <a:xfrm>
+            <a:off x="961053" y="2696555"/>
+            <a:ext cx="10535974" cy="2678085"/>
+          </a:xfrm>
+          <a:prstGeom prst="rect">
+            <a:avLst/>
+          </a:prstGeom>
+        </p:spPr>
+        <p:txBody>
+          <a:bodyPr vert="horz" lIns="0" tIns="0" rIns="0" bIns="0" rtlCol="0" anchor="t" anchorCtr="0">
+            <a:noAutofit/>
+          </a:bodyPr>
+          <a:lstStyle>
+            <a:lvl1pPr algn="l" defTabSz="914400" rtl="0" eaLnBrk="1" latinLnBrk="0" hangingPunct="1">
+              <a:lnSpc>
+                <a:spcPts val="8000"/>
+              </a:lnSpc>
+              <a:spcBef>
+                <a:spcPct val="0"/>
+              </a:spcBef>
+              <a:buNone/>
+              <a:defRPr sz="7500" b="1" kern="3000" spc="-200" baseline="0">
+                <a:solidFill>
+                  <a:schemeClr val="tx1"/>
+                </a:solidFill>
+                <a:latin typeface="+mj-lt"/>
+                <a:ea typeface="+mj-ea"/>
+                <a:cs typeface="+mj-cs"/>
+              </a:defRPr>
+            </a:lvl1pPr>
+          </a:lstStyle>
+          <a:p>
+            <a:pPr>
+              <a:lnSpc>
+                <a:spcPct val="100000"/>
+              </a:lnSpc>
+            </a:pPr>
+            <a:r>
+              <a:rPr lang="en-GB" sz="2400" dirty="0" smtClean="0">
+                <a:cs typeface="Arial"/>
+              </a:rPr>
+              <a:t>					Hypothesis</a:t>
+            </a:r>
+            <a:r>
+              <a:rPr lang="en-GB" sz="2400" dirty="0" smtClean="0">
+                <a:latin typeface="Calibri" panose="020F0502020204030204" pitchFamily="34" charset="0"/>
+                <a:ea typeface="Calibri" panose="020F0502020204030204" pitchFamily="34" charset="0"/>
+                <a:cs typeface="Times New Roman" panose="02020603050405020304" pitchFamily="18" charset="0"/>
+              </a:rPr>
+              <a:t/>
+            </a:r>
+            <a:br>
+              <a:rPr lang="en-GB" sz="2400" dirty="0" smtClean="0">
+                <a:latin typeface="Calibri" panose="020F0502020204030204" pitchFamily="34" charset="0"/>
+                <a:ea typeface="Calibri" panose="020F0502020204030204" pitchFamily="34" charset="0"/>
+                <a:cs typeface="Times New Roman" panose="02020603050405020304" pitchFamily="18" charset="0"/>
+              </a:rPr>
+            </a:br>
+            <a:r>
+              <a:rPr lang="en-GB" sz="2400" dirty="0" smtClean="0">
+                <a:latin typeface="Calibri" panose="020F0502020204030204" pitchFamily="34" charset="0"/>
+                <a:ea typeface="Calibri" panose="020F0502020204030204" pitchFamily="34" charset="0"/>
+                <a:cs typeface="Times New Roman" panose="02020603050405020304" pitchFamily="18" charset="0"/>
+              </a:rPr>
+              <a:t/>
+            </a:r>
+            <a:br>
+              <a:rPr lang="en-GB" sz="2400" dirty="0" smtClean="0">
+                <a:latin typeface="Calibri" panose="020F0502020204030204" pitchFamily="34" charset="0"/>
+                <a:ea typeface="Calibri" panose="020F0502020204030204" pitchFamily="34" charset="0"/>
+                <a:cs typeface="Times New Roman" panose="02020603050405020304" pitchFamily="18" charset="0"/>
+              </a:rPr>
+            </a:br>
+            <a:r>
+              <a:rPr lang="en-GB" sz="2400" b="0" dirty="0" smtClean="0">
                 <a:cs typeface="Arial"/>
               </a:rPr>
               <a:t>Null hypothesis (H</a:t>
             </a:r>
             <a:r>
-              <a:rPr lang="en-GB" sz="2400" b="0" baseline="-25000" dirty="0">
+              <a:rPr lang="en-GB" sz="2400" b="0" baseline="-25000" dirty="0" smtClean="0">
                 <a:cs typeface="Arial"/>
               </a:rPr>
               <a:t>0</a:t>
@@ -5747,24 +5977,24 @@
               </a:rPr>
             </a:br>
             <a:r>
-              <a:rPr lang="en-GB" sz="2400" b="0" dirty="0">
+              <a:rPr lang="en-GB" sz="2400" b="0" dirty="0" smtClean="0">
                 <a:cs typeface="Arial"/>
               </a:rPr>
               <a:t/>
             </a:r>
             <a:br>
-              <a:rPr lang="en-GB" sz="2400" b="0" dirty="0">
+              <a:rPr lang="en-GB" sz="2400" b="0" dirty="0" smtClean="0">
                 <a:cs typeface="Arial"/>
               </a:rPr>
             </a:br>
             <a:r>
-              <a:rPr lang="en-GB" sz="2400" b="0" dirty="0">
+              <a:rPr lang="en-GB" sz="2400" b="0" dirty="0" smtClean="0">
                 <a:cs typeface="Arial"/>
               </a:rPr>
               <a:t>Alternative hypothesis (H</a:t>
             </a:r>
             <a:r>
-              <a:rPr lang="en-GB" sz="2400" b="0" baseline="-25000" dirty="0">
+              <a:rPr lang="en-GB" sz="2400" b="0" baseline="-25000" dirty="0" smtClean="0">
                 <a:cs typeface="Arial"/>
               </a:rPr>
               <a:t>1</a:t>
@@ -5773,25 +6003,7 @@
               <a:rPr lang="en-GB" sz="2400" b="0" dirty="0" smtClean="0">
                 <a:cs typeface="Arial"/>
               </a:rPr>
-              <a:t>): </a:t>
-            </a:r>
-            <a:r>
-              <a:rPr lang="en-GB" sz="2400" b="0" dirty="0">
-                <a:cs typeface="Arial"/>
-              </a:rPr>
-              <a:t>There is a</a:t>
-            </a:r>
-            <a:r>
-              <a:rPr lang="en-GB" sz="2400" b="0" dirty="0" smtClean="0">
-                <a:cs typeface="Arial"/>
-              </a:rPr>
-              <a:t> </a:t>
-            </a:r>
-            <a:r>
-              <a:rPr lang="en-GB" sz="2400" b="0" dirty="0">
-                <a:cs typeface="Arial"/>
-              </a:rPr>
-              <a:t>difference in the mean rating of apps between free and paid apps</a:t>
+              <a:t>): There is a difference in the mean rating of apps between free and paid apps</a:t>
             </a:r>
             <a:endParaRPr lang="en-GB" sz="2400" dirty="0">
               <a:solidFill>
@@ -6929,16 +7141,16 @@
 <file path=customXml/itemProps2.xml><?xml version="1.0" encoding="utf-8"?>
 <ds:datastoreItem xmlns:ds="http://schemas.openxmlformats.org/officeDocument/2006/customXml" ds:itemID="{EDD1FC41-23C7-41B0-B5F9-BF4CD38AD2ED}">
   <ds:schemaRefs>
-    <ds:schemaRef ds:uri="http://schemas.openxmlformats.org/package/2006/metadata/core-properties"/>
+    <ds:schemaRef ds:uri="http://purl.org/dc/elements/1.1/"/>
     <ds:schemaRef ds:uri="http://purl.org/dc/dcmitype/"/>
-    <ds:schemaRef ds:uri="http://purl.org/dc/terms/"/>
+    <ds:schemaRef ds:uri="4ad138b4-2b68-4b70-945d-07f8f18b1c9a"/>
+    <ds:schemaRef ds:uri="http://schemas.microsoft.com/office/2006/metadata/properties"/>
+    <ds:schemaRef ds:uri="3c474641-ec36-472f-b125-6b1b0910eaa4"/>
     <ds:schemaRef ds:uri="http://www.w3.org/XML/1998/namespace"/>
-    <ds:schemaRef ds:uri="4ad138b4-2b68-4b70-945d-07f8f18b1c9a"/>
     <ds:schemaRef ds:uri="http://schemas.microsoft.com/office/2006/documentManagement/types"/>
     <ds:schemaRef ds:uri="http://schemas.microsoft.com/office/infopath/2007/PartnerControls"/>
-    <ds:schemaRef ds:uri="3c474641-ec36-472f-b125-6b1b0910eaa4"/>
-    <ds:schemaRef ds:uri="http://schemas.microsoft.com/office/2006/metadata/properties"/>
-    <ds:schemaRef ds:uri="http://purl.org/dc/elements/1.1/"/>
+    <ds:schemaRef ds:uri="http://schemas.openxmlformats.org/package/2006/metadata/core-properties"/>
+    <ds:schemaRef ds:uri="http://purl.org/dc/terms/"/>
   </ds:schemaRefs>
 </ds:datastoreItem>
 </file>

--- a/reseach_question_presentation.pptx
+++ b/reseach_question_presentation.pptx
@@ -5,16 +5,20 @@
     <p:sldMasterId id="2147483648" r:id="rId4"/>
   </p:sldMasterIdLst>
   <p:notesMasterIdLst>
-    <p:notesMasterId r:id="rId9"/>
+    <p:notesMasterId r:id="rId13"/>
   </p:notesMasterIdLst>
   <p:handoutMasterIdLst>
-    <p:handoutMasterId r:id="rId10"/>
+    <p:handoutMasterId r:id="rId14"/>
   </p:handoutMasterIdLst>
   <p:sldIdLst>
     <p:sldId id="289" r:id="rId5"/>
     <p:sldId id="339" r:id="rId6"/>
     <p:sldId id="329" r:id="rId7"/>
     <p:sldId id="336" r:id="rId8"/>
+    <p:sldId id="340" r:id="rId9"/>
+    <p:sldId id="341" r:id="rId10"/>
+    <p:sldId id="342" r:id="rId11"/>
+    <p:sldId id="343" r:id="rId12"/>
   </p:sldIdLst>
   <p:sldSz cx="12192000" cy="6858000"/>
   <p:notesSz cx="6858000" cy="9144000"/>
@@ -253,7 +257,7 @@
             <a:fld id="{93FAAC3A-BD1F-4A00-9099-74B95789FE00}" type="datetimeFigureOut">
               <a:rPr lang="en-GB" smtClean="0"/>
               <a:pPr/>
-              <a:t>13/11/2024</a:t>
+              <a:t>19/11/2024</a:t>
             </a:fld>
             <a:endParaRPr lang="en-GB"/>
           </a:p>
@@ -432,7 +436,7 @@
             <a:fld id="{8E359C8A-39F6-4045-9163-4042C4C26B15}" type="datetimeFigureOut">
               <a:rPr lang="en-GB" smtClean="0"/>
               <a:pPr/>
-              <a:t>13/11/2024</a:t>
+              <a:t>19/11/2024</a:t>
             </a:fld>
             <a:endParaRPr lang="en-GB"/>
           </a:p>
@@ -882,6 +886,346 @@
     <p:extLst>
       <p:ext uri="{BB962C8B-B14F-4D97-AF65-F5344CB8AC3E}">
         <p14:creationId xmlns:p14="http://schemas.microsoft.com/office/powerpoint/2010/main" val="2667984944"/>
+      </p:ext>
+    </p:extLst>
+  </p:cSld>
+  <p:clrMapOvr>
+    <a:masterClrMapping/>
+  </p:clrMapOvr>
+</p:notes>
+</file>
+
+<file path=ppt/notesSlides/notesSlide3.xml><?xml version="1.0" encoding="utf-8"?>
+<p:notes xmlns:a="http://schemas.openxmlformats.org/drawingml/2006/main" xmlns:r="http://schemas.openxmlformats.org/officeDocument/2006/relationships" xmlns:p="http://schemas.openxmlformats.org/presentationml/2006/main">
+  <p:cSld>
+    <p:spTree>
+      <p:nvGrpSpPr>
+        <p:cNvPr id="1" name=""/>
+        <p:cNvGrpSpPr/>
+        <p:nvPr/>
+      </p:nvGrpSpPr>
+      <p:grpSpPr>
+        <a:xfrm>
+          <a:off x="0" y="0"/>
+          <a:ext cx="0" cy="0"/>
+          <a:chOff x="0" y="0"/>
+          <a:chExt cx="0" cy="0"/>
+        </a:xfrm>
+      </p:grpSpPr>
+      <p:sp>
+        <p:nvSpPr>
+          <p:cNvPr id="2" name="Slide Image Placeholder 1"/>
+          <p:cNvSpPr>
+            <a:spLocks noGrp="1" noRot="1" noChangeAspect="1"/>
+          </p:cNvSpPr>
+          <p:nvPr>
+            <p:ph type="sldImg"/>
+          </p:nvPr>
+        </p:nvSpPr>
+        <p:spPr/>
+      </p:sp>
+      <p:sp>
+        <p:nvSpPr>
+          <p:cNvPr id="3" name="Notes Placeholder 2"/>
+          <p:cNvSpPr>
+            <a:spLocks noGrp="1"/>
+          </p:cNvSpPr>
+          <p:nvPr>
+            <p:ph type="body" idx="1"/>
+          </p:nvPr>
+        </p:nvSpPr>
+        <p:spPr/>
+        <p:txBody>
+          <a:bodyPr/>
+          <a:lstStyle/>
+          <a:p>
+            <a:endParaRPr lang="en-GB" dirty="0"/>
+          </a:p>
+        </p:txBody>
+      </p:sp>
+      <p:sp>
+        <p:nvSpPr>
+          <p:cNvPr id="4" name="Slide Number Placeholder 3"/>
+          <p:cNvSpPr>
+            <a:spLocks noGrp="1"/>
+          </p:cNvSpPr>
+          <p:nvPr>
+            <p:ph type="sldNum" sz="quarter" idx="5"/>
+          </p:nvPr>
+        </p:nvSpPr>
+        <p:spPr/>
+        <p:txBody>
+          <a:bodyPr/>
+          <a:lstStyle/>
+          <a:p>
+            <a:fld id="{30370952-48CC-46D7-9FCD-59FAD40CC025}" type="slidenum">
+              <a:rPr lang="en-GB" smtClean="0"/>
+              <a:pPr/>
+              <a:t>5</a:t>
+            </a:fld>
+            <a:endParaRPr lang="en-GB"/>
+          </a:p>
+        </p:txBody>
+      </p:sp>
+    </p:spTree>
+    <p:extLst>
+      <p:ext uri="{BB962C8B-B14F-4D97-AF65-F5344CB8AC3E}">
+        <p14:creationId xmlns:p14="http://schemas.microsoft.com/office/powerpoint/2010/main" val="2576708925"/>
+      </p:ext>
+    </p:extLst>
+  </p:cSld>
+  <p:clrMapOvr>
+    <a:masterClrMapping/>
+  </p:clrMapOvr>
+</p:notes>
+</file>
+
+<file path=ppt/notesSlides/notesSlide4.xml><?xml version="1.0" encoding="utf-8"?>
+<p:notes xmlns:a="http://schemas.openxmlformats.org/drawingml/2006/main" xmlns:r="http://schemas.openxmlformats.org/officeDocument/2006/relationships" xmlns:p="http://schemas.openxmlformats.org/presentationml/2006/main">
+  <p:cSld>
+    <p:spTree>
+      <p:nvGrpSpPr>
+        <p:cNvPr id="1" name=""/>
+        <p:cNvGrpSpPr/>
+        <p:nvPr/>
+      </p:nvGrpSpPr>
+      <p:grpSpPr>
+        <a:xfrm>
+          <a:off x="0" y="0"/>
+          <a:ext cx="0" cy="0"/>
+          <a:chOff x="0" y="0"/>
+          <a:chExt cx="0" cy="0"/>
+        </a:xfrm>
+      </p:grpSpPr>
+      <p:sp>
+        <p:nvSpPr>
+          <p:cNvPr id="2" name="Slide Image Placeholder 1"/>
+          <p:cNvSpPr>
+            <a:spLocks noGrp="1" noRot="1" noChangeAspect="1"/>
+          </p:cNvSpPr>
+          <p:nvPr>
+            <p:ph type="sldImg"/>
+          </p:nvPr>
+        </p:nvSpPr>
+        <p:spPr/>
+      </p:sp>
+      <p:sp>
+        <p:nvSpPr>
+          <p:cNvPr id="3" name="Notes Placeholder 2"/>
+          <p:cNvSpPr>
+            <a:spLocks noGrp="1"/>
+          </p:cNvSpPr>
+          <p:nvPr>
+            <p:ph type="body" idx="1"/>
+          </p:nvPr>
+        </p:nvSpPr>
+        <p:spPr/>
+        <p:txBody>
+          <a:bodyPr/>
+          <a:lstStyle/>
+          <a:p>
+            <a:endParaRPr lang="en-GB" dirty="0"/>
+          </a:p>
+        </p:txBody>
+      </p:sp>
+      <p:sp>
+        <p:nvSpPr>
+          <p:cNvPr id="4" name="Slide Number Placeholder 3"/>
+          <p:cNvSpPr>
+            <a:spLocks noGrp="1"/>
+          </p:cNvSpPr>
+          <p:nvPr>
+            <p:ph type="sldNum" sz="quarter" idx="5"/>
+          </p:nvPr>
+        </p:nvSpPr>
+        <p:spPr/>
+        <p:txBody>
+          <a:bodyPr/>
+          <a:lstStyle/>
+          <a:p>
+            <a:fld id="{30370952-48CC-46D7-9FCD-59FAD40CC025}" type="slidenum">
+              <a:rPr lang="en-GB" smtClean="0"/>
+              <a:pPr/>
+              <a:t>6</a:t>
+            </a:fld>
+            <a:endParaRPr lang="en-GB"/>
+          </a:p>
+        </p:txBody>
+      </p:sp>
+    </p:spTree>
+    <p:extLst>
+      <p:ext uri="{BB962C8B-B14F-4D97-AF65-F5344CB8AC3E}">
+        <p14:creationId xmlns:p14="http://schemas.microsoft.com/office/powerpoint/2010/main" val="1408698027"/>
+      </p:ext>
+    </p:extLst>
+  </p:cSld>
+  <p:clrMapOvr>
+    <a:masterClrMapping/>
+  </p:clrMapOvr>
+</p:notes>
+</file>
+
+<file path=ppt/notesSlides/notesSlide5.xml><?xml version="1.0" encoding="utf-8"?>
+<p:notes xmlns:a="http://schemas.openxmlformats.org/drawingml/2006/main" xmlns:r="http://schemas.openxmlformats.org/officeDocument/2006/relationships" xmlns:p="http://schemas.openxmlformats.org/presentationml/2006/main">
+  <p:cSld>
+    <p:spTree>
+      <p:nvGrpSpPr>
+        <p:cNvPr id="1" name=""/>
+        <p:cNvGrpSpPr/>
+        <p:nvPr/>
+      </p:nvGrpSpPr>
+      <p:grpSpPr>
+        <a:xfrm>
+          <a:off x="0" y="0"/>
+          <a:ext cx="0" cy="0"/>
+          <a:chOff x="0" y="0"/>
+          <a:chExt cx="0" cy="0"/>
+        </a:xfrm>
+      </p:grpSpPr>
+      <p:sp>
+        <p:nvSpPr>
+          <p:cNvPr id="2" name="Slide Image Placeholder 1"/>
+          <p:cNvSpPr>
+            <a:spLocks noGrp="1" noRot="1" noChangeAspect="1"/>
+          </p:cNvSpPr>
+          <p:nvPr>
+            <p:ph type="sldImg"/>
+          </p:nvPr>
+        </p:nvSpPr>
+        <p:spPr/>
+      </p:sp>
+      <p:sp>
+        <p:nvSpPr>
+          <p:cNvPr id="3" name="Notes Placeholder 2"/>
+          <p:cNvSpPr>
+            <a:spLocks noGrp="1"/>
+          </p:cNvSpPr>
+          <p:nvPr>
+            <p:ph type="body" idx="1"/>
+          </p:nvPr>
+        </p:nvSpPr>
+        <p:spPr/>
+        <p:txBody>
+          <a:bodyPr/>
+          <a:lstStyle/>
+          <a:p>
+            <a:endParaRPr lang="en-GB" dirty="0"/>
+          </a:p>
+        </p:txBody>
+      </p:sp>
+      <p:sp>
+        <p:nvSpPr>
+          <p:cNvPr id="4" name="Slide Number Placeholder 3"/>
+          <p:cNvSpPr>
+            <a:spLocks noGrp="1"/>
+          </p:cNvSpPr>
+          <p:nvPr>
+            <p:ph type="sldNum" sz="quarter" idx="5"/>
+          </p:nvPr>
+        </p:nvSpPr>
+        <p:spPr/>
+        <p:txBody>
+          <a:bodyPr/>
+          <a:lstStyle/>
+          <a:p>
+            <a:fld id="{30370952-48CC-46D7-9FCD-59FAD40CC025}" type="slidenum">
+              <a:rPr lang="en-GB" smtClean="0"/>
+              <a:pPr/>
+              <a:t>7</a:t>
+            </a:fld>
+            <a:endParaRPr lang="en-GB"/>
+          </a:p>
+        </p:txBody>
+      </p:sp>
+    </p:spTree>
+    <p:extLst>
+      <p:ext uri="{BB962C8B-B14F-4D97-AF65-F5344CB8AC3E}">
+        <p14:creationId xmlns:p14="http://schemas.microsoft.com/office/powerpoint/2010/main" val="283296197"/>
+      </p:ext>
+    </p:extLst>
+  </p:cSld>
+  <p:clrMapOvr>
+    <a:masterClrMapping/>
+  </p:clrMapOvr>
+</p:notes>
+</file>
+
+<file path=ppt/notesSlides/notesSlide6.xml><?xml version="1.0" encoding="utf-8"?>
+<p:notes xmlns:a="http://schemas.openxmlformats.org/drawingml/2006/main" xmlns:r="http://schemas.openxmlformats.org/officeDocument/2006/relationships" xmlns:p="http://schemas.openxmlformats.org/presentationml/2006/main">
+  <p:cSld>
+    <p:spTree>
+      <p:nvGrpSpPr>
+        <p:cNvPr id="1" name=""/>
+        <p:cNvGrpSpPr/>
+        <p:nvPr/>
+      </p:nvGrpSpPr>
+      <p:grpSpPr>
+        <a:xfrm>
+          <a:off x="0" y="0"/>
+          <a:ext cx="0" cy="0"/>
+          <a:chOff x="0" y="0"/>
+          <a:chExt cx="0" cy="0"/>
+        </a:xfrm>
+      </p:grpSpPr>
+      <p:sp>
+        <p:nvSpPr>
+          <p:cNvPr id="2" name="Slide Image Placeholder 1"/>
+          <p:cNvSpPr>
+            <a:spLocks noGrp="1" noRot="1" noChangeAspect="1"/>
+          </p:cNvSpPr>
+          <p:nvPr>
+            <p:ph type="sldImg"/>
+          </p:nvPr>
+        </p:nvSpPr>
+        <p:spPr/>
+      </p:sp>
+      <p:sp>
+        <p:nvSpPr>
+          <p:cNvPr id="3" name="Notes Placeholder 2"/>
+          <p:cNvSpPr>
+            <a:spLocks noGrp="1"/>
+          </p:cNvSpPr>
+          <p:nvPr>
+            <p:ph type="body" idx="1"/>
+          </p:nvPr>
+        </p:nvSpPr>
+        <p:spPr/>
+        <p:txBody>
+          <a:bodyPr/>
+          <a:lstStyle/>
+          <a:p>
+            <a:endParaRPr lang="en-GB" dirty="0"/>
+          </a:p>
+        </p:txBody>
+      </p:sp>
+      <p:sp>
+        <p:nvSpPr>
+          <p:cNvPr id="4" name="Slide Number Placeholder 3"/>
+          <p:cNvSpPr>
+            <a:spLocks noGrp="1"/>
+          </p:cNvSpPr>
+          <p:nvPr>
+            <p:ph type="sldNum" sz="quarter" idx="5"/>
+          </p:nvPr>
+        </p:nvSpPr>
+        <p:spPr/>
+        <p:txBody>
+          <a:bodyPr/>
+          <a:lstStyle/>
+          <a:p>
+            <a:fld id="{30370952-48CC-46D7-9FCD-59FAD40CC025}" type="slidenum">
+              <a:rPr lang="en-GB" smtClean="0"/>
+              <a:pPr/>
+              <a:t>8</a:t>
+            </a:fld>
+            <a:endParaRPr lang="en-GB"/>
+          </a:p>
+        </p:txBody>
+      </p:sp>
+    </p:spTree>
+    <p:extLst>
+      <p:ext uri="{BB962C8B-B14F-4D97-AF65-F5344CB8AC3E}">
+        <p14:creationId xmlns:p14="http://schemas.microsoft.com/office/powerpoint/2010/main" val="3496920176"/>
       </p:ext>
     </p:extLst>
   </p:cSld>
@@ -4699,8 +5043,8 @@
         </p:nvSpPr>
         <p:spPr>
           <a:xfrm>
-            <a:off x="503852" y="2429391"/>
-            <a:ext cx="10852405" cy="1909044"/>
+            <a:off x="821094" y="2429391"/>
+            <a:ext cx="11224725" cy="1909044"/>
           </a:xfrm>
         </p:spPr>
         <p:txBody>
@@ -4716,11 +5060,7 @@
             </a:pPr>
             <a:r>
               <a:rPr lang="en-US" sz="4000" dirty="0" smtClean="0"/>
-              <a:t>Is </a:t>
-            </a:r>
-            <a:r>
-              <a:rPr lang="en-US" sz="4000" dirty="0" smtClean="0"/>
-              <a:t>there a difference in the mean rating of apps between free and paid apps</a:t>
+              <a:t>Is there a difference in the mean rating of apps between free and paid apps</a:t>
             </a:r>
             <a:r>
               <a:rPr lang="en-US" dirty="0"/>
@@ -4753,11 +5093,7 @@
             </a:r>
             <a:r>
               <a:rPr lang="en-US" sz="2200" dirty="0" smtClean="0"/>
-              <a:t>Date :  </a:t>
-            </a:r>
-            <a:r>
-              <a:rPr lang="en-US" sz="2200" dirty="0" smtClean="0"/>
-              <a:t>13/11/202</a:t>
+              <a:t>Date :  13/11/202</a:t>
             </a:r>
             <a:endParaRPr lang="en-US" dirty="0"/>
           </a:p>
@@ -4781,8 +5117,8 @@
         </p:nvSpPr>
         <p:spPr>
           <a:xfrm>
-            <a:off x="503852" y="1890000"/>
-            <a:ext cx="11383348" cy="360000"/>
+            <a:off x="821094" y="1890000"/>
+            <a:ext cx="11066106" cy="360000"/>
           </a:xfrm>
         </p:spPr>
         <p:txBody>
@@ -4827,8 +5163,8 @@
         </p:nvSpPr>
         <p:spPr>
           <a:xfrm>
-            <a:off x="503852" y="274320"/>
-            <a:ext cx="11541967" cy="1311884"/>
+            <a:off x="821094" y="274320"/>
+            <a:ext cx="11224725" cy="1311884"/>
           </a:xfrm>
         </p:spPr>
         <p:txBody>
@@ -4874,7 +5210,22 @@
             </a:r>
             <a:r>
               <a:rPr lang="en-GB" dirty="0" smtClean="0"/>
-              <a:t>, Noel John</a:t>
+              <a:t>, </a:t>
+            </a:r>
+          </a:p>
+          <a:p>
+            <a:pPr algn="just"/>
+            <a:r>
+              <a:rPr lang="en-GB" dirty="0" smtClean="0"/>
+              <a:t>							            Noel John</a:t>
+            </a:r>
+            <a:r>
+              <a:rPr lang="en-GB" dirty="0"/>
+              <a:t> </a:t>
+            </a:r>
+            <a:r>
+              <a:rPr lang="en-GB" dirty="0" smtClean="0"/>
+              <a:t>Paul,				</a:t>
             </a:r>
             <a:r>
               <a:rPr lang="en-GB" dirty="0"/>
@@ -4882,55 +5233,53 @@
             </a:r>
             <a:r>
               <a:rPr lang="en-GB" dirty="0" smtClean="0"/>
-              <a:t>Paul,				</a:t>
-            </a:r>
+              <a:t>	                                               		            </a:t>
+            </a:r>
+            <a:r>
+              <a:rPr lang="en-GB" dirty="0" err="1" smtClean="0"/>
+              <a:t>Amal</a:t>
+            </a:r>
+            <a:r>
+              <a:rPr lang="en-GB" dirty="0" smtClean="0"/>
+              <a:t> </a:t>
+            </a:r>
+            <a:r>
+              <a:rPr lang="en-GB" dirty="0" err="1" smtClean="0"/>
+              <a:t>Saj</a:t>
+            </a:r>
+            <a:r>
+              <a:rPr lang="en-GB" dirty="0" smtClean="0"/>
+              <a:t> </a:t>
+            </a:r>
+            <a:r>
+              <a:rPr lang="en-GB" dirty="0" err="1" smtClean="0"/>
+              <a:t>Poothaalil</a:t>
+            </a:r>
+            <a:r>
+              <a:rPr lang="en-GB" dirty="0" smtClean="0"/>
+              <a:t>, </a:t>
+            </a:r>
+          </a:p>
+          <a:p>
+            <a:pPr algn="just"/>
             <a:r>
               <a:rPr lang="en-GB" dirty="0"/>
               <a:t>	</a:t>
             </a:r>
             <a:r>
               <a:rPr lang="en-GB" dirty="0" smtClean="0"/>
-              <a:t>	                                               </a:t>
-            </a:r>
-            <a:r>
-              <a:rPr lang="en-GB" dirty="0" err="1" smtClean="0"/>
-              <a:t>Amal</a:t>
+              <a:t>						            Sachin Cherian,</a:t>
+            </a:r>
+          </a:p>
+          <a:p>
+            <a:pPr algn="just"/>
+            <a:r>
+              <a:rPr lang="en-GB" dirty="0"/>
+              <a:t>	</a:t>
             </a:r>
             <a:r>
               <a:rPr lang="en-GB" dirty="0" smtClean="0"/>
-              <a:t> </a:t>
-            </a:r>
-            <a:r>
-              <a:rPr lang="en-GB" dirty="0" err="1" smtClean="0"/>
-              <a:t>Saj</a:t>
-            </a:r>
-            <a:r>
-              <a:rPr lang="en-GB" dirty="0" smtClean="0"/>
-              <a:t> </a:t>
-            </a:r>
-            <a:r>
-              <a:rPr lang="en-GB" dirty="0" err="1" smtClean="0"/>
-              <a:t>Poothaalil</a:t>
-            </a:r>
-            <a:r>
-              <a:rPr lang="en-GB" dirty="0" smtClean="0"/>
-              <a:t>, Sachin Cherian, </a:t>
-            </a:r>
-            <a:r>
-              <a:rPr lang="en-GB" dirty="0" err="1" smtClean="0"/>
-              <a:t>Anila</a:t>
-            </a:r>
-            <a:r>
-              <a:rPr lang="en-GB" dirty="0" smtClean="0"/>
-              <a:t> </a:t>
-            </a:r>
-            <a:r>
-              <a:rPr lang="en-GB" dirty="0" err="1" smtClean="0"/>
-              <a:t>Jalaja</a:t>
-            </a:r>
-            <a:r>
-              <a:rPr lang="en-GB" dirty="0" smtClean="0"/>
-              <a:t>  </a:t>
+              <a:t>						            Anila Jalaja  </a:t>
             </a:r>
             <a:endParaRPr lang="en-GB" dirty="0"/>
           </a:p>
@@ -5235,19 +5584,7 @@
           <a:p>
             <a:r>
               <a:rPr lang="en-GB" dirty="0"/>
-              <a:t>7COM1079-2024  Student Group No: </a:t>
-            </a:r>
-            <a:r>
-              <a:rPr lang="en-GB" dirty="0"/>
-              <a:t>A143A                   </a:t>
-            </a:r>
-            <a:r>
-              <a:rPr lang="en-GB" dirty="0"/>
-              <a:t>Names of Student Group </a:t>
-            </a:r>
-            <a:r>
-              <a:rPr lang="en-GB" dirty="0"/>
-              <a:t>Attendees: </a:t>
+              <a:t>7COM1079-2024  Student Group No: A143A                   Names of Student Group Attendees: </a:t>
             </a:r>
             <a:r>
               <a:rPr lang="en-GB" dirty="0" err="1"/>
@@ -5446,14 +5783,7 @@
                 <a:latin typeface="Calibri"/>
                 <a:cs typeface="Calibri"/>
               </a:rPr>
-              <a:t>This dataset is interesting to us </a:t>
-            </a:r>
-            <a:r>
-              <a:rPr lang="en-US" sz="2400" b="0" dirty="0" smtClean="0">
-                <a:latin typeface="Calibri"/>
-                <a:cs typeface="Calibri"/>
-              </a:rPr>
-              <a:t>because it offers an opportunity to check how a user choose free app or paid app based on their quality and performance from their ratings. </a:t>
+              <a:t>This dataset is interesting to us because it offers an opportunity to check how a user choose free app or paid app based on their quality and performance from their ratings. </a:t>
             </a:r>
             <a:r>
               <a:rPr lang="en-US" sz="2400" b="0" dirty="0">
@@ -5498,14 +5828,7 @@
                 <a:latin typeface="Calibri"/>
                 <a:cs typeface="Calibri"/>
               </a:rPr>
-              <a:t>Our  Independent variable is: </a:t>
-            </a:r>
-            <a:r>
-              <a:rPr lang="en-US" sz="2400" b="0" dirty="0" smtClean="0">
-                <a:latin typeface="Calibri"/>
-                <a:cs typeface="Calibri"/>
-              </a:rPr>
-              <a:t>Type (free/paid)</a:t>
+              <a:t>Our  Independent variable is: Type (free/paid)</a:t>
             </a:r>
             <a:r>
               <a:rPr lang="en-US" sz="2400" b="0" dirty="0">
@@ -5531,28 +5854,14 @@
               <a:t> </a:t>
             </a:r>
             <a:r>
-              <a:rPr lang="en-US" sz="2400" b="0" dirty="0" smtClean="0">
-                <a:latin typeface="Calibri"/>
-                <a:cs typeface="Calibri"/>
-              </a:rPr>
-              <a:t>This  </a:t>
-            </a:r>
-            <a:r>
               <a:rPr lang="en-US" sz="2400" b="0" dirty="0">
                 <a:latin typeface="Calibri"/>
                 <a:cs typeface="Calibri"/>
               </a:rPr>
-              <a:t>Independent variable datatype is </a:t>
-            </a:r>
-            <a:r>
-              <a:rPr lang="en-US" sz="2400" b="0" dirty="0" smtClean="0">
-                <a:latin typeface="Calibri"/>
-                <a:cs typeface="Calibri"/>
-              </a:rPr>
-              <a:t>Nominal.</a:t>
+              <a:t>This  Independent variable datatype is Nominal.</a:t>
             </a:r>
             <a:br>
-              <a:rPr lang="en-US" sz="2400" b="0" dirty="0" smtClean="0">
+              <a:rPr lang="en-US" sz="2400" b="0" dirty="0">
                 <a:latin typeface="Calibri"/>
                 <a:cs typeface="Calibri"/>
               </a:rPr>
@@ -5575,14 +5884,7 @@
                 <a:latin typeface="Calibri"/>
                 <a:cs typeface="Calibri"/>
               </a:rPr>
-              <a:t>Our Dependent variable </a:t>
-            </a:r>
-            <a:r>
-              <a:rPr lang="en-US" sz="2400" b="0" dirty="0" smtClean="0">
-                <a:latin typeface="Calibri"/>
-                <a:cs typeface="Calibri"/>
-              </a:rPr>
-              <a:t>is: Rating</a:t>
+              <a:t>Our Dependent variable is: Rating</a:t>
             </a:r>
             <a:r>
               <a:rPr lang="en-US" sz="2400" b="0" dirty="0">
@@ -5598,25 +5900,11 @@
               </a:rPr>
             </a:br>
             <a:r>
-              <a:rPr lang="en-US" sz="2400" b="0" dirty="0" smtClean="0">
-                <a:latin typeface="Calibri"/>
-                <a:cs typeface="Calibri"/>
-              </a:rPr>
-              <a:t>This </a:t>
-            </a:r>
-            <a:r>
               <a:rPr lang="en-US" sz="2400" b="0" dirty="0">
                 <a:latin typeface="Calibri"/>
                 <a:cs typeface="Calibri"/>
               </a:rPr>
-              <a:t>Dependent variable datatype is  </a:t>
-            </a:r>
-            <a:r>
-              <a:rPr lang="en-US" sz="2400" b="0" dirty="0" smtClean="0">
-                <a:latin typeface="Calibri"/>
-                <a:cs typeface="Calibri"/>
-              </a:rPr>
-              <a:t>an Interval variable.</a:t>
+              <a:t>This Dependent variable datatype is  an Interval variable.</a:t>
             </a:r>
             <a:endParaRPr lang="en-US" sz="2400" b="0" dirty="0">
               <a:solidFill>
@@ -5736,11 +6024,7 @@
             </a:r>
             <a:r>
               <a:rPr lang="en-GB" dirty="0" smtClean="0"/>
-              <a:t> </a:t>
-            </a:r>
-            <a:r>
-              <a:rPr lang="en-GB" dirty="0" smtClean="0"/>
-              <a:t>A143A</a:t>
+              <a:t> A143A</a:t>
             </a:r>
             <a:endParaRPr lang="en-GB" dirty="0"/>
           </a:p>
@@ -5798,7 +6082,7 @@
         </p:nvSpPr>
         <p:spPr>
           <a:xfrm>
-            <a:off x="961052" y="1959231"/>
+            <a:off x="961052" y="2556393"/>
             <a:ext cx="10991461" cy="616021"/>
           </a:xfrm>
         </p:spPr>
@@ -5825,6 +6109,16 @@
               <a:rPr lang="en-US" sz="2600" dirty="0" smtClean="0"/>
               <a:t>?</a:t>
             </a:r>
+            <a:br>
+              <a:rPr lang="en-US" sz="2600" dirty="0" smtClean="0"/>
+            </a:br>
+            <a:r>
+              <a:rPr lang="en-US" sz="2600" dirty="0"/>
+              <a:t/>
+            </a:r>
+            <a:br>
+              <a:rPr lang="en-US" sz="2600" dirty="0"/>
+            </a:br>
             <a:r>
               <a:rPr lang="en-GB" sz="2600" dirty="0" smtClean="0">
                 <a:effectLst/>
@@ -5865,6 +6159,103 @@
           </a:p>
         </p:txBody>
       </p:sp>
+    </p:spTree>
+    <p:extLst>
+      <p:ext uri="{BB962C8B-B14F-4D97-AF65-F5344CB8AC3E}">
+        <p14:creationId xmlns:p14="http://schemas.microsoft.com/office/powerpoint/2010/main" val="32494612"/>
+      </p:ext>
+    </p:extLst>
+  </p:cSld>
+  <p:clrMapOvr>
+    <a:masterClrMapping/>
+  </p:clrMapOvr>
+</p:sld>
+</file>
+
+<file path=ppt/slides/slide5.xml><?xml version="1.0" encoding="utf-8"?>
+<p:sld xmlns:a="http://schemas.openxmlformats.org/drawingml/2006/main" xmlns:r="http://schemas.openxmlformats.org/officeDocument/2006/relationships" xmlns:p="http://schemas.openxmlformats.org/presentationml/2006/main">
+  <p:cSld>
+    <p:spTree>
+      <p:nvGrpSpPr>
+        <p:cNvPr id="1" name=""/>
+        <p:cNvGrpSpPr/>
+        <p:nvPr/>
+      </p:nvGrpSpPr>
+      <p:grpSpPr>
+        <a:xfrm>
+          <a:off x="0" y="0"/>
+          <a:ext cx="0" cy="0"/>
+          <a:chOff x="0" y="0"/>
+          <a:chExt cx="0" cy="0"/>
+        </a:xfrm>
+      </p:grpSpPr>
+      <p:sp>
+        <p:nvSpPr>
+          <p:cNvPr id="3" name="Footer Placeholder 2">
+            <a:extLst>
+              <a:ext uri="{FF2B5EF4-FFF2-40B4-BE49-F238E27FC236}">
+                <a16:creationId xmlns:a16="http://schemas.microsoft.com/office/drawing/2014/main" id="{3C4D431B-7665-75B0-2D73-5BD588DCB766}"/>
+              </a:ext>
+            </a:extLst>
+          </p:cNvPr>
+          <p:cNvSpPr>
+            <a:spLocks noGrp="1"/>
+          </p:cNvSpPr>
+          <p:nvPr>
+            <p:ph type="ftr" sz="quarter" idx="11"/>
+          </p:nvPr>
+        </p:nvSpPr>
+        <p:spPr/>
+        <p:txBody>
+          <a:bodyPr/>
+          <a:lstStyle/>
+          <a:p>
+            <a:r>
+              <a:rPr lang="en-GB" dirty="0"/>
+              <a:t>PRE 7COM1079-2024  Student Group No: </a:t>
+            </a:r>
+            <a:r>
+              <a:rPr lang="en-GB" dirty="0" smtClean="0"/>
+              <a:t> A143A</a:t>
+            </a:r>
+            <a:endParaRPr lang="en-GB" dirty="0"/>
+          </a:p>
+        </p:txBody>
+      </p:sp>
+      <p:sp>
+        <p:nvSpPr>
+          <p:cNvPr id="4" name="Slide Number Placeholder 3">
+            <a:extLst>
+              <a:ext uri="{FF2B5EF4-FFF2-40B4-BE49-F238E27FC236}">
+                <a16:creationId xmlns:a16="http://schemas.microsoft.com/office/drawing/2014/main" id="{1625FA15-B17F-387B-E383-5505647ABB89}"/>
+              </a:ext>
+            </a:extLst>
+          </p:cNvPr>
+          <p:cNvSpPr>
+            <a:spLocks noGrp="1"/>
+          </p:cNvSpPr>
+          <p:nvPr>
+            <p:ph type="sldNum" sz="quarter" idx="12"/>
+          </p:nvPr>
+        </p:nvSpPr>
+        <p:spPr>
+          <a:xfrm>
+            <a:off x="10616400" y="791022"/>
+            <a:ext cx="622800" cy="230832"/>
+          </a:xfrm>
+        </p:spPr>
+        <p:txBody>
+          <a:bodyPr/>
+          <a:lstStyle/>
+          <a:p>
+            <a:r>
+              <a:rPr lang="en-US" dirty="0"/>
+              <a:t>3</a:t>
+            </a:r>
+            <a:endParaRPr lang="en-GB" dirty="0"/>
+          </a:p>
+        </p:txBody>
+      </p:sp>
       <p:sp>
         <p:nvSpPr>
           <p:cNvPr id="6" name="Title 4">
@@ -5881,8 +6272,8 @@
         </p:nvSpPr>
         <p:spPr>
           <a:xfrm>
-            <a:off x="961053" y="2696555"/>
-            <a:ext cx="10535974" cy="2678085"/>
+            <a:off x="961053" y="1278295"/>
+            <a:ext cx="10535974" cy="4096346"/>
           </a:xfrm>
           <a:prstGeom prst="rect">
             <a:avLst/>
@@ -5921,7 +6312,13 @@
               <a:rPr lang="en-GB" sz="2400" dirty="0" smtClean="0">
                 <a:cs typeface="Arial"/>
               </a:rPr>
-              <a:t>					Hypothesis</a:t>
+              <a:t>					</a:t>
+            </a:r>
+            <a:r>
+              <a:rPr lang="en-GB" sz="3200" dirty="0" smtClean="0">
+                <a:cs typeface="Arial"/>
+              </a:rPr>
+              <a:t>Hypothesis</a:t>
             </a:r>
             <a:r>
               <a:rPr lang="en-GB" sz="2400" dirty="0" smtClean="0">
@@ -5969,7 +6366,13 @@
               <a:rPr lang="en-GB" sz="2400" b="0" dirty="0" smtClean="0">
                 <a:cs typeface="Arial"/>
               </a:rPr>
-              <a:t>):  There is no difference in the mean rating of apps between free and paid apps</a:t>
+              <a:t>):  There is no </a:t>
+            </a:r>
+            <a:r>
+              <a:rPr lang="en-GB" sz="2400" b="0" dirty="0" smtClean="0">
+                <a:cs typeface="Arial"/>
+              </a:rPr>
+              <a:t>correlation between app ratings and the number of installations.</a:t>
             </a:r>
             <a:br>
               <a:rPr lang="en-GB" sz="2400" b="0" dirty="0" smtClean="0">
@@ -6003,7 +6406,13 @@
               <a:rPr lang="en-GB" sz="2400" b="0" dirty="0" smtClean="0">
                 <a:cs typeface="Arial"/>
               </a:rPr>
-              <a:t>): There is a difference in the mean rating of apps between free and paid apps</a:t>
+              <a:t>): There is a </a:t>
+            </a:r>
+            <a:r>
+              <a:rPr lang="en-GB" sz="2400" b="0" dirty="0">
+                <a:cs typeface="Arial"/>
+              </a:rPr>
+              <a:t>correlation between app ratings and the number of installations.</a:t>
             </a:r>
             <a:endParaRPr lang="en-GB" sz="2400" dirty="0">
               <a:solidFill>
@@ -6016,7 +6425,388 @@
     </p:spTree>
     <p:extLst>
       <p:ext uri="{BB962C8B-B14F-4D97-AF65-F5344CB8AC3E}">
-        <p14:creationId xmlns:p14="http://schemas.microsoft.com/office/powerpoint/2010/main" val="32494612"/>
+        <p14:creationId xmlns:p14="http://schemas.microsoft.com/office/powerpoint/2010/main" val="1259277897"/>
+      </p:ext>
+    </p:extLst>
+  </p:cSld>
+  <p:clrMapOvr>
+    <a:masterClrMapping/>
+  </p:clrMapOvr>
+</p:sld>
+</file>
+
+<file path=ppt/slides/slide6.xml><?xml version="1.0" encoding="utf-8"?>
+<p:sld xmlns:a="http://schemas.openxmlformats.org/drawingml/2006/main" xmlns:r="http://schemas.openxmlformats.org/officeDocument/2006/relationships" xmlns:p="http://schemas.openxmlformats.org/presentationml/2006/main">
+  <p:cSld>
+    <p:spTree>
+      <p:nvGrpSpPr>
+        <p:cNvPr id="1" name=""/>
+        <p:cNvGrpSpPr/>
+        <p:nvPr/>
+      </p:nvGrpSpPr>
+      <p:grpSpPr>
+        <a:xfrm>
+          <a:off x="0" y="0"/>
+          <a:ext cx="0" cy="0"/>
+          <a:chOff x="0" y="0"/>
+          <a:chExt cx="0" cy="0"/>
+        </a:xfrm>
+      </p:grpSpPr>
+      <p:sp>
+        <p:nvSpPr>
+          <p:cNvPr id="3" name="Footer Placeholder 2">
+            <a:extLst>
+              <a:ext uri="{FF2B5EF4-FFF2-40B4-BE49-F238E27FC236}">
+                <a16:creationId xmlns:a16="http://schemas.microsoft.com/office/drawing/2014/main" id="{3C4D431B-7665-75B0-2D73-5BD588DCB766}"/>
+              </a:ext>
+            </a:extLst>
+          </p:cNvPr>
+          <p:cNvSpPr>
+            <a:spLocks noGrp="1"/>
+          </p:cNvSpPr>
+          <p:nvPr>
+            <p:ph type="ftr" sz="quarter" idx="11"/>
+          </p:nvPr>
+        </p:nvSpPr>
+        <p:spPr/>
+        <p:txBody>
+          <a:bodyPr/>
+          <a:lstStyle/>
+          <a:p>
+            <a:r>
+              <a:rPr lang="en-GB" dirty="0"/>
+              <a:t>PRE 7COM1079-2024  Student Group No: </a:t>
+            </a:r>
+            <a:r>
+              <a:rPr lang="en-GB" dirty="0" smtClean="0"/>
+              <a:t> A143A</a:t>
+            </a:r>
+            <a:endParaRPr lang="en-GB" dirty="0"/>
+          </a:p>
+        </p:txBody>
+      </p:sp>
+      <p:sp>
+        <p:nvSpPr>
+          <p:cNvPr id="4" name="Slide Number Placeholder 3">
+            <a:extLst>
+              <a:ext uri="{FF2B5EF4-FFF2-40B4-BE49-F238E27FC236}">
+                <a16:creationId xmlns:a16="http://schemas.microsoft.com/office/drawing/2014/main" id="{1625FA15-B17F-387B-E383-5505647ABB89}"/>
+              </a:ext>
+            </a:extLst>
+          </p:cNvPr>
+          <p:cNvSpPr>
+            <a:spLocks noGrp="1"/>
+          </p:cNvSpPr>
+          <p:nvPr>
+            <p:ph type="sldNum" sz="quarter" idx="12"/>
+          </p:nvPr>
+        </p:nvSpPr>
+        <p:spPr>
+          <a:xfrm>
+            <a:off x="10616400" y="791022"/>
+            <a:ext cx="622800" cy="230832"/>
+          </a:xfrm>
+        </p:spPr>
+        <p:txBody>
+          <a:bodyPr/>
+          <a:lstStyle/>
+          <a:p>
+            <a:r>
+              <a:rPr lang="en-US" dirty="0"/>
+              <a:t>3</a:t>
+            </a:r>
+            <a:endParaRPr lang="en-GB" dirty="0"/>
+          </a:p>
+        </p:txBody>
+      </p:sp>
+      <p:pic>
+        <p:nvPicPr>
+          <p:cNvPr id="7" name="Picture 6"/>
+          <p:cNvPicPr>
+            <a:picLocks noChangeAspect="1"/>
+          </p:cNvPicPr>
+          <p:nvPr/>
+        </p:nvPicPr>
+        <p:blipFill>
+          <a:blip r:embed="rId3">
+            <a:extLst>
+              <a:ext uri="{28A0092B-C50C-407E-A947-70E740481C1C}">
+                <a14:useLocalDpi xmlns:a14="http://schemas.microsoft.com/office/drawing/2010/main" val="0"/>
+              </a:ext>
+            </a:extLst>
+          </a:blip>
+          <a:stretch>
+            <a:fillRect/>
+          </a:stretch>
+        </p:blipFill>
+        <p:spPr>
+          <a:xfrm>
+            <a:off x="3311087" y="1161814"/>
+            <a:ext cx="6700661" cy="4271672"/>
+          </a:xfrm>
+          <a:prstGeom prst="rect">
+            <a:avLst/>
+          </a:prstGeom>
+        </p:spPr>
+      </p:pic>
+    </p:spTree>
+    <p:extLst>
+      <p:ext uri="{BB962C8B-B14F-4D97-AF65-F5344CB8AC3E}">
+        <p14:creationId xmlns:p14="http://schemas.microsoft.com/office/powerpoint/2010/main" val="2858143491"/>
+      </p:ext>
+    </p:extLst>
+  </p:cSld>
+  <p:clrMapOvr>
+    <a:masterClrMapping/>
+  </p:clrMapOvr>
+</p:sld>
+</file>
+
+<file path=ppt/slides/slide7.xml><?xml version="1.0" encoding="utf-8"?>
+<p:sld xmlns:a="http://schemas.openxmlformats.org/drawingml/2006/main" xmlns:r="http://schemas.openxmlformats.org/officeDocument/2006/relationships" xmlns:p="http://schemas.openxmlformats.org/presentationml/2006/main">
+  <p:cSld>
+    <p:spTree>
+      <p:nvGrpSpPr>
+        <p:cNvPr id="1" name=""/>
+        <p:cNvGrpSpPr/>
+        <p:nvPr/>
+      </p:nvGrpSpPr>
+      <p:grpSpPr>
+        <a:xfrm>
+          <a:off x="0" y="0"/>
+          <a:ext cx="0" cy="0"/>
+          <a:chOff x="0" y="0"/>
+          <a:chExt cx="0" cy="0"/>
+        </a:xfrm>
+      </p:grpSpPr>
+      <p:sp>
+        <p:nvSpPr>
+          <p:cNvPr id="3" name="Footer Placeholder 2">
+            <a:extLst>
+              <a:ext uri="{FF2B5EF4-FFF2-40B4-BE49-F238E27FC236}">
+                <a16:creationId xmlns:a16="http://schemas.microsoft.com/office/drawing/2014/main" id="{3C4D431B-7665-75B0-2D73-5BD588DCB766}"/>
+              </a:ext>
+            </a:extLst>
+          </p:cNvPr>
+          <p:cNvSpPr>
+            <a:spLocks noGrp="1"/>
+          </p:cNvSpPr>
+          <p:nvPr>
+            <p:ph type="ftr" sz="quarter" idx="11"/>
+          </p:nvPr>
+        </p:nvSpPr>
+        <p:spPr/>
+        <p:txBody>
+          <a:bodyPr/>
+          <a:lstStyle/>
+          <a:p>
+            <a:r>
+              <a:rPr lang="en-GB" dirty="0"/>
+              <a:t>PRE 7COM1079-2024  Student Group No: </a:t>
+            </a:r>
+            <a:r>
+              <a:rPr lang="en-GB" dirty="0" smtClean="0"/>
+              <a:t> A143A</a:t>
+            </a:r>
+            <a:endParaRPr lang="en-GB" dirty="0"/>
+          </a:p>
+        </p:txBody>
+      </p:sp>
+      <p:sp>
+        <p:nvSpPr>
+          <p:cNvPr id="4" name="Slide Number Placeholder 3">
+            <a:extLst>
+              <a:ext uri="{FF2B5EF4-FFF2-40B4-BE49-F238E27FC236}">
+                <a16:creationId xmlns:a16="http://schemas.microsoft.com/office/drawing/2014/main" id="{1625FA15-B17F-387B-E383-5505647ABB89}"/>
+              </a:ext>
+            </a:extLst>
+          </p:cNvPr>
+          <p:cNvSpPr>
+            <a:spLocks noGrp="1"/>
+          </p:cNvSpPr>
+          <p:nvPr>
+            <p:ph type="sldNum" sz="quarter" idx="12"/>
+          </p:nvPr>
+        </p:nvSpPr>
+        <p:spPr>
+          <a:xfrm>
+            <a:off x="10616400" y="791022"/>
+            <a:ext cx="622800" cy="230832"/>
+          </a:xfrm>
+        </p:spPr>
+        <p:txBody>
+          <a:bodyPr/>
+          <a:lstStyle/>
+          <a:p>
+            <a:r>
+              <a:rPr lang="en-US" dirty="0"/>
+              <a:t>3</a:t>
+            </a:r>
+            <a:endParaRPr lang="en-GB" dirty="0"/>
+          </a:p>
+        </p:txBody>
+      </p:sp>
+      <p:pic>
+        <p:nvPicPr>
+          <p:cNvPr id="5" name="Picture 4"/>
+          <p:cNvPicPr>
+            <a:picLocks noChangeAspect="1"/>
+          </p:cNvPicPr>
+          <p:nvPr/>
+        </p:nvPicPr>
+        <p:blipFill>
+          <a:blip r:embed="rId3">
+            <a:extLst>
+              <a:ext uri="{28A0092B-C50C-407E-A947-70E740481C1C}">
+                <a14:useLocalDpi xmlns:a14="http://schemas.microsoft.com/office/drawing/2010/main" val="0"/>
+              </a:ext>
+            </a:extLst>
+          </a:blip>
+          <a:stretch>
+            <a:fillRect/>
+          </a:stretch>
+        </p:blipFill>
+        <p:spPr>
+          <a:xfrm>
+            <a:off x="3469707" y="1101013"/>
+            <a:ext cx="7017901" cy="4473912"/>
+          </a:xfrm>
+          <a:prstGeom prst="rect">
+            <a:avLst/>
+          </a:prstGeom>
+        </p:spPr>
+      </p:pic>
+    </p:spTree>
+    <p:extLst>
+      <p:ext uri="{BB962C8B-B14F-4D97-AF65-F5344CB8AC3E}">
+        <p14:creationId xmlns:p14="http://schemas.microsoft.com/office/powerpoint/2010/main" val="2469332171"/>
+      </p:ext>
+    </p:extLst>
+  </p:cSld>
+  <p:clrMapOvr>
+    <a:masterClrMapping/>
+  </p:clrMapOvr>
+</p:sld>
+</file>
+
+<file path=ppt/slides/slide8.xml><?xml version="1.0" encoding="utf-8"?>
+<p:sld xmlns:a="http://schemas.openxmlformats.org/drawingml/2006/main" xmlns:r="http://schemas.openxmlformats.org/officeDocument/2006/relationships" xmlns:p="http://schemas.openxmlformats.org/presentationml/2006/main">
+  <p:cSld>
+    <p:spTree>
+      <p:nvGrpSpPr>
+        <p:cNvPr id="1" name=""/>
+        <p:cNvGrpSpPr/>
+        <p:nvPr/>
+      </p:nvGrpSpPr>
+      <p:grpSpPr>
+        <a:xfrm>
+          <a:off x="0" y="0"/>
+          <a:ext cx="0" cy="0"/>
+          <a:chOff x="0" y="0"/>
+          <a:chExt cx="0" cy="0"/>
+        </a:xfrm>
+      </p:grpSpPr>
+      <p:sp>
+        <p:nvSpPr>
+          <p:cNvPr id="3" name="Footer Placeholder 2">
+            <a:extLst>
+              <a:ext uri="{FF2B5EF4-FFF2-40B4-BE49-F238E27FC236}">
+                <a16:creationId xmlns:a16="http://schemas.microsoft.com/office/drawing/2014/main" id="{3C4D431B-7665-75B0-2D73-5BD588DCB766}"/>
+              </a:ext>
+            </a:extLst>
+          </p:cNvPr>
+          <p:cNvSpPr>
+            <a:spLocks noGrp="1"/>
+          </p:cNvSpPr>
+          <p:nvPr>
+            <p:ph type="ftr" sz="quarter" idx="11"/>
+          </p:nvPr>
+        </p:nvSpPr>
+        <p:spPr/>
+        <p:txBody>
+          <a:bodyPr/>
+          <a:lstStyle/>
+          <a:p>
+            <a:r>
+              <a:rPr lang="en-GB" dirty="0"/>
+              <a:t>PRE 7COM1079-2024  Student Group No: </a:t>
+            </a:r>
+            <a:r>
+              <a:rPr lang="en-GB" dirty="0" smtClean="0"/>
+              <a:t> A143A</a:t>
+            </a:r>
+            <a:endParaRPr lang="en-GB" dirty="0"/>
+          </a:p>
+        </p:txBody>
+      </p:sp>
+      <p:sp>
+        <p:nvSpPr>
+          <p:cNvPr id="4" name="Slide Number Placeholder 3">
+            <a:extLst>
+              <a:ext uri="{FF2B5EF4-FFF2-40B4-BE49-F238E27FC236}">
+                <a16:creationId xmlns:a16="http://schemas.microsoft.com/office/drawing/2014/main" id="{1625FA15-B17F-387B-E383-5505647ABB89}"/>
+              </a:ext>
+            </a:extLst>
+          </p:cNvPr>
+          <p:cNvSpPr>
+            <a:spLocks noGrp="1"/>
+          </p:cNvSpPr>
+          <p:nvPr>
+            <p:ph type="sldNum" sz="quarter" idx="12"/>
+          </p:nvPr>
+        </p:nvSpPr>
+        <p:spPr>
+          <a:xfrm>
+            <a:off x="10616400" y="791022"/>
+            <a:ext cx="622800" cy="230832"/>
+          </a:xfrm>
+        </p:spPr>
+        <p:txBody>
+          <a:bodyPr/>
+          <a:lstStyle/>
+          <a:p>
+            <a:r>
+              <a:rPr lang="en-US" dirty="0"/>
+              <a:t>3</a:t>
+            </a:r>
+            <a:endParaRPr lang="en-GB" dirty="0"/>
+          </a:p>
+        </p:txBody>
+      </p:sp>
+      <p:pic>
+        <p:nvPicPr>
+          <p:cNvPr id="2" name="Picture 1"/>
+          <p:cNvPicPr>
+            <a:picLocks noChangeAspect="1"/>
+          </p:cNvPicPr>
+          <p:nvPr/>
+        </p:nvPicPr>
+        <p:blipFill>
+          <a:blip r:embed="rId3">
+            <a:extLst>
+              <a:ext uri="{28A0092B-C50C-407E-A947-70E740481C1C}">
+                <a14:useLocalDpi xmlns:a14="http://schemas.microsoft.com/office/drawing/2010/main" val="0"/>
+              </a:ext>
+            </a:extLst>
+          </a:blip>
+          <a:stretch>
+            <a:fillRect/>
+          </a:stretch>
+        </p:blipFill>
+        <p:spPr>
+          <a:xfrm>
+            <a:off x="3054220" y="1021854"/>
+            <a:ext cx="7160963" cy="4478382"/>
+          </a:xfrm>
+          <a:prstGeom prst="rect">
+            <a:avLst/>
+          </a:prstGeom>
+        </p:spPr>
+      </p:pic>
+    </p:spTree>
+    <p:extLst>
+      <p:ext uri="{BB962C8B-B14F-4D97-AF65-F5344CB8AC3E}">
+        <p14:creationId xmlns:p14="http://schemas.microsoft.com/office/powerpoint/2010/main" val="3674484979"/>
       </p:ext>
     </p:extLst>
   </p:cSld>
@@ -7141,16 +7931,16 @@
 <file path=customXml/itemProps2.xml><?xml version="1.0" encoding="utf-8"?>
 <ds:datastoreItem xmlns:ds="http://schemas.openxmlformats.org/officeDocument/2006/customXml" ds:itemID="{EDD1FC41-23C7-41B0-B5F9-BF4CD38AD2ED}">
   <ds:schemaRefs>
+    <ds:schemaRef ds:uri="http://www.w3.org/XML/1998/namespace"/>
+    <ds:schemaRef ds:uri="http://schemas.microsoft.com/office/infopath/2007/PartnerControls"/>
+    <ds:schemaRef ds:uri="http://purl.org/dc/terms/"/>
     <ds:schemaRef ds:uri="http://purl.org/dc/elements/1.1/"/>
+    <ds:schemaRef ds:uri="http://schemas.microsoft.com/office/2006/metadata/properties"/>
     <ds:schemaRef ds:uri="http://purl.org/dc/dcmitype/"/>
+    <ds:schemaRef ds:uri="http://schemas.microsoft.com/office/2006/documentManagement/types"/>
+    <ds:schemaRef ds:uri="http://schemas.openxmlformats.org/package/2006/metadata/core-properties"/>
+    <ds:schemaRef ds:uri="3c474641-ec36-472f-b125-6b1b0910eaa4"/>
     <ds:schemaRef ds:uri="4ad138b4-2b68-4b70-945d-07f8f18b1c9a"/>
-    <ds:schemaRef ds:uri="http://schemas.microsoft.com/office/2006/metadata/properties"/>
-    <ds:schemaRef ds:uri="3c474641-ec36-472f-b125-6b1b0910eaa4"/>
-    <ds:schemaRef ds:uri="http://www.w3.org/XML/1998/namespace"/>
-    <ds:schemaRef ds:uri="http://schemas.microsoft.com/office/2006/documentManagement/types"/>
-    <ds:schemaRef ds:uri="http://schemas.microsoft.com/office/infopath/2007/PartnerControls"/>
-    <ds:schemaRef ds:uri="http://schemas.openxmlformats.org/package/2006/metadata/core-properties"/>
-    <ds:schemaRef ds:uri="http://purl.org/dc/terms/"/>
   </ds:schemaRefs>
 </ds:datastoreItem>
 </file>

--- a/reseach_question_presentation.pptx
+++ b/reseach_question_presentation.pptx
@@ -5739,7 +5739,7 @@
           <a:p>
             <a:r>
               <a:rPr lang="en-US" dirty="0"/>
-              <a:t>2</a:t>
+              <a:t>3</a:t>
             </a:r>
             <a:endParaRPr lang="en-GB" dirty="0"/>
           </a:p>
@@ -6057,8 +6057,8 @@
           <a:lstStyle/>
           <a:p>
             <a:r>
-              <a:rPr lang="en-US" dirty="0"/>
-              <a:t>3</a:t>
+              <a:rPr lang="en-GB" dirty="0" smtClean="0"/>
+              <a:t>4</a:t>
             </a:r>
             <a:endParaRPr lang="en-GB" dirty="0"/>
           </a:p>
@@ -6250,7 +6250,7 @@
           <a:p>
             <a:r>
               <a:rPr lang="en-US" dirty="0"/>
-              <a:t>3</a:t>
+              <a:t>5</a:t>
             </a:r>
             <a:endParaRPr lang="en-GB" dirty="0"/>
           </a:p>
@@ -6366,13 +6366,25 @@
               <a:rPr lang="en-GB" sz="2400" b="0" dirty="0" smtClean="0">
                 <a:cs typeface="Arial"/>
               </a:rPr>
-              <a:t>):  There is no </a:t>
+              <a:t>): </a:t>
+            </a:r>
+            <a:r>
+              <a:rPr lang="en-GB" sz="2400" b="0" dirty="0">
+                <a:cs typeface="Arial"/>
+              </a:rPr>
+              <a:t>There is no difference in the mean rating of apps between free and paid </a:t>
             </a:r>
             <a:r>
               <a:rPr lang="en-GB" sz="2400" b="0" dirty="0" smtClean="0">
                 <a:cs typeface="Arial"/>
               </a:rPr>
-              <a:t>correlation between app ratings and the number of installations.</a:t>
+              <a:t>apps.</a:t>
+            </a:r>
+            <a:r>
+              <a:rPr lang="en-GB" sz="2400" b="0" dirty="0" smtClean="0">
+                <a:cs typeface="Arial"/>
+              </a:rPr>
+              <a:t/>
             </a:r>
             <a:br>
               <a:rPr lang="en-GB" sz="2400" b="0" dirty="0" smtClean="0">
@@ -6394,7 +6406,13 @@
               <a:rPr lang="en-GB" sz="2400" b="0" dirty="0" smtClean="0">
                 <a:cs typeface="Arial"/>
               </a:rPr>
-              <a:t>Alternative hypothesis (H</a:t>
+              <a:t>Alternative hypothesis (</a:t>
+            </a:r>
+            <a:r>
+              <a:rPr lang="en-GB" sz="2400" b="0" dirty="0" smtClean="0">
+                <a:cs typeface="Arial"/>
+              </a:rPr>
+              <a:t>H</a:t>
             </a:r>
             <a:r>
               <a:rPr lang="en-GB" sz="2400" b="0" baseline="-25000" dirty="0" smtClean="0">
@@ -6403,16 +6421,16 @@
               <a:t>1</a:t>
             </a:r>
             <a:r>
+              <a:rPr lang="en-GB" sz="2400" b="0" dirty="0">
+                <a:cs typeface="Arial"/>
+              </a:rPr>
+              <a:t> There is a difference in the mean rating of apps between free and paid </a:t>
+            </a:r>
+            <a:r>
               <a:rPr lang="en-GB" sz="2400" b="0" dirty="0" smtClean="0">
                 <a:cs typeface="Arial"/>
               </a:rPr>
-              <a:t>): There is a </a:t>
-            </a:r>
-            <a:r>
-              <a:rPr lang="en-GB" sz="2400" b="0" dirty="0">
-                <a:cs typeface="Arial"/>
-              </a:rPr>
-              <a:t>correlation between app ratings and the number of installations.</a:t>
+              <a:t>apps.</a:t>
             </a:r>
             <a:endParaRPr lang="en-GB" sz="2400" dirty="0">
               <a:solidFill>
@@ -6513,7 +6531,7 @@
           <a:p>
             <a:r>
               <a:rPr lang="en-US" dirty="0"/>
-              <a:t>3</a:t>
+              <a:t>6</a:t>
             </a:r>
             <a:endParaRPr lang="en-GB" dirty="0"/>
           </a:p>
@@ -6639,8 +6657,8 @@
           <a:lstStyle/>
           <a:p>
             <a:r>
-              <a:rPr lang="en-US" dirty="0"/>
-              <a:t>3</a:t>
+              <a:rPr lang="en-GB" dirty="0" smtClean="0"/>
+              <a:t>7</a:t>
             </a:r>
             <a:endParaRPr lang="en-GB" dirty="0"/>
           </a:p>
@@ -6648,7 +6666,7 @@
       </p:sp>
       <p:pic>
         <p:nvPicPr>
-          <p:cNvPr id="5" name="Picture 4"/>
+          <p:cNvPr id="7" name="Picture 6"/>
           <p:cNvPicPr>
             <a:picLocks noChangeAspect="1"/>
           </p:cNvPicPr>
@@ -6668,8 +6686,8 @@
         </p:blipFill>
         <p:spPr>
           <a:xfrm>
-            <a:off x="3469707" y="1101013"/>
-            <a:ext cx="7017901" cy="4473912"/>
+            <a:off x="3586816" y="1266884"/>
+            <a:ext cx="6368947" cy="4060204"/>
           </a:xfrm>
           <a:prstGeom prst="rect">
             <a:avLst/>
@@ -6767,7 +6785,7 @@
           <a:p>
             <a:r>
               <a:rPr lang="en-US" dirty="0"/>
-              <a:t>3</a:t>
+              <a:t>8</a:t>
             </a:r>
             <a:endParaRPr lang="en-GB" dirty="0"/>
           </a:p>

--- a/reseach_question_presentation.pptx
+++ b/reseach_question_presentation.pptx
@@ -5093,7 +5093,15 @@
             </a:r>
             <a:r>
               <a:rPr lang="en-US" sz="2200" dirty="0" smtClean="0"/>
-              <a:t>Date :  13/11/202</a:t>
+              <a:t>Date :  </a:t>
+            </a:r>
+            <a:r>
+              <a:rPr lang="en-US" sz="2200" dirty="0" smtClean="0"/>
+              <a:t>22</a:t>
+            </a:r>
+            <a:r>
+              <a:rPr lang="en-US" sz="2200" dirty="0" smtClean="0"/>
+              <a:t>/11/202</a:t>
             </a:r>
             <a:endParaRPr lang="en-US" dirty="0"/>
           </a:p>
